--- a/ОПМ презентации/семинар_1.pptx
+++ b/ОПМ презентации/семинар_1.pptx
@@ -246,7 +246,7 @@
           <a:p>
             <a:fld id="{F67283A8-5F1E-4340-BC4F-B996DE11D4FB}" type="datetimeFigureOut">
               <a:rPr lang="ru-RU" smtClean="0"/>
-              <a:t>12.02.2019</a:t>
+              <a:t>25.06.2020</a:t>
             </a:fld>
             <a:endParaRPr lang="ru-RU" dirty="0"/>
           </a:p>
@@ -414,7 +414,7 @@
           <a:p>
             <a:fld id="{F67283A8-5F1E-4340-BC4F-B996DE11D4FB}" type="datetimeFigureOut">
               <a:rPr lang="ru-RU" smtClean="0"/>
-              <a:t>12.02.2019</a:t>
+              <a:t>25.06.2020</a:t>
             </a:fld>
             <a:endParaRPr lang="ru-RU" dirty="0"/>
           </a:p>
@@ -592,7 +592,7 @@
           <a:p>
             <a:fld id="{F67283A8-5F1E-4340-BC4F-B996DE11D4FB}" type="datetimeFigureOut">
               <a:rPr lang="ru-RU" smtClean="0"/>
-              <a:t>12.02.2019</a:t>
+              <a:t>25.06.2020</a:t>
             </a:fld>
             <a:endParaRPr lang="ru-RU" dirty="0"/>
           </a:p>
@@ -1130,7 +1130,7 @@
           <a:p>
             <a:fld id="{F67283A8-5F1E-4340-BC4F-B996DE11D4FB}" type="datetimeFigureOut">
               <a:rPr lang="ru-RU" smtClean="0"/>
-              <a:t>12.02.2019</a:t>
+              <a:t>25.06.2020</a:t>
             </a:fld>
             <a:endParaRPr lang="ru-RU" dirty="0"/>
           </a:p>
@@ -1375,7 +1375,7 @@
           <a:p>
             <a:fld id="{F67283A8-5F1E-4340-BC4F-B996DE11D4FB}" type="datetimeFigureOut">
               <a:rPr lang="ru-RU" smtClean="0"/>
-              <a:t>12.02.2019</a:t>
+              <a:t>25.06.2020</a:t>
             </a:fld>
             <a:endParaRPr lang="ru-RU" dirty="0"/>
           </a:p>
@@ -1604,7 +1604,7 @@
           <a:p>
             <a:fld id="{F67283A8-5F1E-4340-BC4F-B996DE11D4FB}" type="datetimeFigureOut">
               <a:rPr lang="ru-RU" smtClean="0"/>
-              <a:t>12.02.2019</a:t>
+              <a:t>25.06.2020</a:t>
             </a:fld>
             <a:endParaRPr lang="ru-RU" dirty="0"/>
           </a:p>
@@ -1968,7 +1968,7 @@
           <a:p>
             <a:fld id="{F67283A8-5F1E-4340-BC4F-B996DE11D4FB}" type="datetimeFigureOut">
               <a:rPr lang="ru-RU" smtClean="0"/>
-              <a:t>12.02.2019</a:t>
+              <a:t>25.06.2020</a:t>
             </a:fld>
             <a:endParaRPr lang="ru-RU" dirty="0"/>
           </a:p>
@@ -2085,7 +2085,7 @@
           <a:p>
             <a:fld id="{F67283A8-5F1E-4340-BC4F-B996DE11D4FB}" type="datetimeFigureOut">
               <a:rPr lang="ru-RU" smtClean="0"/>
-              <a:t>12.02.2019</a:t>
+              <a:t>25.06.2020</a:t>
             </a:fld>
             <a:endParaRPr lang="ru-RU" dirty="0"/>
           </a:p>
@@ -2180,7 +2180,7 @@
           <a:p>
             <a:fld id="{F67283A8-5F1E-4340-BC4F-B996DE11D4FB}" type="datetimeFigureOut">
               <a:rPr lang="ru-RU" smtClean="0"/>
-              <a:t>12.02.2019</a:t>
+              <a:t>25.06.2020</a:t>
             </a:fld>
             <a:endParaRPr lang="ru-RU" dirty="0"/>
           </a:p>
@@ -2455,7 +2455,7 @@
           <a:p>
             <a:fld id="{F67283A8-5F1E-4340-BC4F-B996DE11D4FB}" type="datetimeFigureOut">
               <a:rPr lang="ru-RU" smtClean="0"/>
-              <a:t>12.02.2019</a:t>
+              <a:t>25.06.2020</a:t>
             </a:fld>
             <a:endParaRPr lang="ru-RU" dirty="0"/>
           </a:p>
@@ -2707,7 +2707,7 @@
           <a:p>
             <a:fld id="{F67283A8-5F1E-4340-BC4F-B996DE11D4FB}" type="datetimeFigureOut">
               <a:rPr lang="ru-RU" smtClean="0"/>
-              <a:t>12.02.2019</a:t>
+              <a:t>25.06.2020</a:t>
             </a:fld>
             <a:endParaRPr lang="ru-RU" dirty="0"/>
           </a:p>
@@ -2918,7 +2918,7 @@
           <a:p>
             <a:fld id="{F67283A8-5F1E-4340-BC4F-B996DE11D4FB}" type="datetimeFigureOut">
               <a:rPr lang="ru-RU" smtClean="0"/>
-              <a:t>12.02.2019</a:t>
+              <a:t>25.06.2020</a:t>
             </a:fld>
             <a:endParaRPr lang="ru-RU" dirty="0"/>
           </a:p>
@@ -3347,10 +3347,9 @@
           <a:lstStyle/>
           <a:p>
             <a:r>
-              <a:rPr lang="ru-RU" sz="4000" dirty="0" smtClean="0"/>
+              <a:rPr lang="ru-RU" sz="4000" dirty="0"/>
               <a:t>Распределенная нагрузка</a:t>
             </a:r>
-            <a:endParaRPr lang="ru-RU" sz="4000" dirty="0"/>
           </a:p>
         </p:txBody>
       </p:sp>
@@ -3439,7 +3438,7 @@
           <a:graphicData uri="http://schemas.openxmlformats.org/presentationml/2006/ole">
             <mc:AlternateContent xmlns:mc="http://schemas.openxmlformats.org/markup-compatibility/2006">
               <mc:Choice xmlns:v="urn:schemas-microsoft-com:vml" Requires="v">
-                <p:oleObj spid="_x0000_s5145" name="Visio" r:id="rId3" imgW="4775835" imgH="2386965" progId="Visio.Drawing.11">
+                <p:oleObj spid="_x0000_s5147" name="Visio" r:id="rId3" imgW="4775835" imgH="2386965" progId="Visio.Drawing.11">
                   <p:embed/>
                 </p:oleObj>
               </mc:Choice>
@@ -3519,7 +3518,7 @@
               </a:rPr>
               <a:t>а) равномерно распределенная нагрузка.</a:t>
             </a:r>
-            <a:endParaRPr lang="ru-RU" sz="1600" b="1" dirty="0" smtClean="0">
+            <a:endParaRPr lang="ru-RU" sz="1600" b="1" dirty="0">
               <a:latin typeface="+mj-lt"/>
               <a:ea typeface="Calibri" panose="020F0502020204030204" pitchFamily="34" charset="0"/>
               <a:cs typeface="Times New Roman" panose="02020603050405020304" pitchFamily="18" charset="0"/>
@@ -3535,7 +3534,7 @@
               </a:spcAft>
             </a:pPr>
             <a:r>
-              <a:rPr lang="ru-RU" sz="1600" b="1" dirty="0" smtClean="0">
+              <a:rPr lang="ru-RU" sz="1600" b="1" dirty="0">
                 <a:latin typeface="+mj-lt"/>
                 <a:ea typeface="Calibri" panose="020F0502020204030204" pitchFamily="34" charset="0"/>
                 <a:cs typeface="Times New Roman" panose="02020603050405020304" pitchFamily="18" charset="0"/>
@@ -3622,7 +3621,7 @@
               <a:t>=</a:t>
             </a:r>
             <a:r>
-              <a:rPr lang="en-US" sz="1600" b="1" dirty="0" err="1" smtClean="0">
+              <a:rPr lang="en-US" sz="1600" b="1" dirty="0" err="1">
                 <a:latin typeface="+mj-lt"/>
                 <a:ea typeface="Calibri" panose="020F0502020204030204" pitchFamily="34" charset="0"/>
                 <a:cs typeface="Times New Roman" panose="02020603050405020304" pitchFamily="18" charset="0"/>
@@ -3630,7 +3629,7 @@
               <a:t>ql</a:t>
             </a:r>
             <a:r>
-              <a:rPr lang="ru-RU" sz="1600" b="1" dirty="0" smtClean="0">
+              <a:rPr lang="ru-RU" sz="1600" b="1" dirty="0">
                 <a:latin typeface="+mj-lt"/>
                 <a:ea typeface="Calibri" panose="020F0502020204030204" pitchFamily="34" charset="0"/>
                 <a:cs typeface="Times New Roman" panose="02020603050405020304" pitchFamily="18" charset="0"/>
@@ -3641,17 +3640,6 @@
               <a:rPr lang="ru-RU" sz="1600" dirty="0"/>
               <a:t> </a:t>
             </a:r>
-            <a:endParaRPr lang="ru-RU" sz="1600" dirty="0" smtClean="0"/>
-          </a:p>
-          <a:p>
-            <a:pPr indent="449580" algn="just">
-              <a:lnSpc>
-                <a:spcPct val="115000"/>
-              </a:lnSpc>
-            </a:pPr>
-            <a:endParaRPr lang="ru-RU" sz="1600" b="1" dirty="0" smtClean="0">
-              <a:latin typeface="+mj-lt"/>
-            </a:endParaRPr>
           </a:p>
           <a:p>
             <a:pPr indent="449580" algn="just">
@@ -3669,7 +3657,7 @@
                 <a:spcPct val="115000"/>
               </a:lnSpc>
             </a:pPr>
-            <a:endParaRPr lang="ru-RU" sz="1600" b="1" dirty="0" smtClean="0">
+            <a:endParaRPr lang="ru-RU" sz="1600" b="1" dirty="0">
               <a:latin typeface="+mj-lt"/>
             </a:endParaRPr>
           </a:p>
@@ -3679,60 +3667,9 @@
                 <a:spcPct val="115000"/>
               </a:lnSpc>
             </a:pPr>
-            <a:r>
-              <a:rPr lang="ru-RU" sz="1600" b="1" dirty="0" smtClean="0">
-                <a:latin typeface="+mj-lt"/>
-              </a:rPr>
-              <a:t>б</a:t>
-            </a:r>
-            <a:r>
-              <a:rPr lang="ru-RU" sz="1600" b="1" dirty="0">
-                <a:latin typeface="+mj-lt"/>
-              </a:rPr>
-              <a:t>) </a:t>
-            </a:r>
-            <a:r>
-              <a:rPr lang="ru-RU" sz="1600" b="1" dirty="0" smtClean="0">
-                <a:latin typeface="+mj-lt"/>
-              </a:rPr>
-              <a:t>нагрузка</a:t>
-            </a:r>
-            <a:r>
-              <a:rPr lang="ru-RU" sz="1600" b="1" dirty="0">
-                <a:latin typeface="+mj-lt"/>
-              </a:rPr>
-              <a:t>, распределенная по линейному закону. Для этой нагрузки ее интенсивность </a:t>
-            </a:r>
-            <a:r>
-              <a:rPr lang="en-US" sz="1600" b="1" dirty="0">
-                <a:latin typeface="+mj-lt"/>
-              </a:rPr>
-              <a:t>q</a:t>
-            </a:r>
-            <a:r>
-              <a:rPr lang="ru-RU" sz="1600" b="1" dirty="0">
-                <a:latin typeface="+mj-lt"/>
-              </a:rPr>
-              <a:t> изменяется от нуля до максимального значения </a:t>
-            </a:r>
-            <a:r>
-              <a:rPr lang="en-US" sz="1600" b="1" dirty="0" err="1">
-                <a:latin typeface="+mj-lt"/>
-              </a:rPr>
-              <a:t>q</a:t>
-            </a:r>
-            <a:r>
-              <a:rPr lang="en-US" sz="1600" b="1" baseline="-25000" dirty="0" err="1">
-                <a:latin typeface="+mj-lt"/>
-              </a:rPr>
-              <a:t>max</a:t>
-            </a:r>
-            <a:r>
-              <a:rPr lang="ru-RU" sz="1600" b="1" dirty="0">
-                <a:latin typeface="+mj-lt"/>
-              </a:rPr>
-              <a:t>. </a:t>
-            </a:r>
+            <a:endParaRPr lang="ru-RU" sz="1600" b="1" dirty="0">
+              <a:latin typeface="+mj-lt"/>
+            </a:endParaRPr>
           </a:p>
           <a:p>
             <a:pPr indent="449580" algn="just">
@@ -3741,7 +3678,50 @@
               </a:lnSpc>
             </a:pPr>
             <a:r>
-              <a:rPr lang="ru-RU" sz="1600" b="1" dirty="0" smtClean="0">
+              <a:rPr lang="ru-RU" sz="1600" b="1" dirty="0">
+                <a:latin typeface="+mj-lt"/>
+              </a:rPr>
+              <a:t>б) нагрузка, распределенная по линейному закону. Для этой нагрузки ее интенсивность </a:t>
+            </a:r>
+            <a:r>
+              <a:rPr lang="en-US" sz="1600" b="1" dirty="0">
+                <a:latin typeface="+mj-lt"/>
+              </a:rPr>
+              <a:t>q</a:t>
+            </a:r>
+            <a:r>
+              <a:rPr lang="ru-RU" sz="1600" b="1" dirty="0">
+                <a:latin typeface="+mj-lt"/>
+              </a:rPr>
+              <a:t> изменяется от нуля до максимального значения </a:t>
+            </a:r>
+            <a:r>
+              <a:rPr lang="en-US" sz="1600" b="1" dirty="0" err="1">
+                <a:latin typeface="+mj-lt"/>
+              </a:rPr>
+              <a:t>q</a:t>
+            </a:r>
+            <a:r>
+              <a:rPr lang="en-US" sz="1600" b="1" baseline="-25000" dirty="0" err="1">
+                <a:latin typeface="+mj-lt"/>
+              </a:rPr>
+              <a:t>max</a:t>
+            </a:r>
+            <a:r>
+              <a:rPr lang="ru-RU" sz="1600" b="1" dirty="0">
+                <a:latin typeface="+mj-lt"/>
+              </a:rPr>
+              <a:t>. </a:t>
+            </a:r>
+          </a:p>
+          <a:p>
+            <a:pPr indent="449580" algn="just">
+              <a:lnSpc>
+                <a:spcPct val="115000"/>
+              </a:lnSpc>
+            </a:pPr>
+            <a:r>
+              <a:rPr lang="ru-RU" sz="1600" b="1" dirty="0">
                 <a:latin typeface="+mj-lt"/>
               </a:rPr>
               <a:t>Равнодействующая </a:t>
@@ -3807,26 +3787,23 @@
               <a:t>l</a:t>
             </a:r>
             <a:r>
-              <a:rPr lang="ru-RU" sz="1600" b="1" dirty="0" smtClean="0">
+              <a:rPr lang="ru-RU" sz="1600" b="1" dirty="0">
                 <a:latin typeface="+mj-lt"/>
               </a:rPr>
               <a:t>)/</a:t>
             </a:r>
             <a:r>
-              <a:rPr lang="en-US" sz="1600" b="1" dirty="0" smtClean="0">
+              <a:rPr lang="en-US" sz="1600" b="1" dirty="0">
                 <a:latin typeface="+mj-lt"/>
               </a:rPr>
               <a:t>2</a:t>
             </a:r>
             <a:r>
-              <a:rPr lang="ru-RU" sz="1600" b="1" dirty="0" smtClean="0">
+              <a:rPr lang="ru-RU" sz="1600" b="1" dirty="0">
                 <a:latin typeface="+mj-lt"/>
               </a:rPr>
               <a:t>.</a:t>
             </a:r>
-            <a:endParaRPr lang="ru-RU" sz="1600" b="1" dirty="0">
-              <a:latin typeface="+mj-lt"/>
-            </a:endParaRPr>
           </a:p>
           <a:p>
             <a:pPr indent="449580" algn="just">
@@ -3931,7 +3908,7 @@
           <a:graphicData uri="http://schemas.openxmlformats.org/presentationml/2006/ole">
             <mc:AlternateContent xmlns:mc="http://schemas.openxmlformats.org/markup-compatibility/2006">
               <mc:Choice xmlns:v="urn:schemas-microsoft-com:vml" Requires="v">
-                <p:oleObj spid="_x0000_s5146" name="Visio" r:id="rId5" imgW="4973955" imgH="2419350" progId="Visio.Drawing.11">
+                <p:oleObj spid="_x0000_s5148" name="Visio" r:id="rId5" imgW="4973955" imgH="2419350" progId="Visio.Drawing.11">
                   <p:embed/>
                 </p:oleObj>
               </mc:Choice>
@@ -3986,13 +3963,6 @@
   <p:clrMapOvr>
     <a:masterClrMapping/>
   </p:clrMapOvr>
-  <p:timing>
-    <p:tnLst>
-      <p:par>
-        <p:cTn id="1" dur="indefinite" restart="never" nodeType="tmRoot"/>
-      </p:par>
-    </p:tnLst>
-  </p:timing>
 </p:sld>
 </file>
 
@@ -5704,7 +5674,7 @@
             <a:graphicData uri="http://schemas.openxmlformats.org/presentationml/2006/ole">
               <mc:AlternateContent xmlns:mc="http://schemas.openxmlformats.org/markup-compatibility/2006">
                 <mc:Choice xmlns:v="urn:schemas-microsoft-com:vml" Requires="v">
-                  <p:oleObj spid="_x0000_s1247" name="Уравнение" r:id="rId3" imgW="139680" imgH="164880" progId="Equation.3">
+                  <p:oleObj spid="_x0000_s1260" name="Уравнение" r:id="rId3" imgW="139680" imgH="164880" progId="Equation.3">
                     <p:embed/>
                   </p:oleObj>
                 </mc:Choice>
@@ -5895,7 +5865,7 @@
             <a:graphicData uri="http://schemas.openxmlformats.org/presentationml/2006/ole">
               <mc:AlternateContent xmlns:mc="http://schemas.openxmlformats.org/markup-compatibility/2006">
                 <mc:Choice xmlns:v="urn:schemas-microsoft-com:vml" Requires="v">
-                  <p:oleObj spid="_x0000_s1248" name="Уравнение" r:id="rId5" imgW="139680" imgH="164880" progId="Equation.3">
+                  <p:oleObj spid="_x0000_s1261" name="Уравнение" r:id="rId5" imgW="139680" imgH="164880" progId="Equation.3">
                     <p:embed/>
                   </p:oleObj>
                 </mc:Choice>
@@ -6019,7 +5989,7 @@
           <a:lstStyle/>
           <a:p>
             <a:r>
-              <a:rPr lang="ru-RU" altLang="ru-RU" sz="1200" b="1" dirty="0" smtClean="0">
+              <a:rPr lang="ru-RU" altLang="ru-RU" sz="1200" b="1" dirty="0">
                 <a:solidFill>
                   <a:srgbClr val="FF0000"/>
                 </a:solidFill>
@@ -6029,7 +5999,7 @@
           </a:p>
           <a:p>
             <a:r>
-              <a:rPr lang="ru-RU" altLang="ru-RU" sz="1200" b="1" dirty="0" smtClean="0">
+              <a:rPr lang="ru-RU" altLang="ru-RU" sz="1200" b="1" dirty="0">
                 <a:solidFill>
                   <a:srgbClr val="FF0000"/>
                 </a:solidFill>
@@ -6039,7 +6009,7 @@
           </a:p>
           <a:p>
             <a:r>
-              <a:rPr lang="ru-RU" altLang="ru-RU" sz="1200" b="1" dirty="0" smtClean="0">
+              <a:rPr lang="ru-RU" altLang="ru-RU" sz="1200" b="1" dirty="0">
                 <a:solidFill>
                   <a:srgbClr val="FF0000"/>
                 </a:solidFill>
@@ -6049,7 +6019,7 @@
           </a:p>
           <a:p>
             <a:r>
-              <a:rPr lang="ru-RU" altLang="ru-RU" sz="1200" b="1" dirty="0" smtClean="0">
+              <a:rPr lang="ru-RU" altLang="ru-RU" sz="1200" b="1" dirty="0">
                 <a:solidFill>
                   <a:srgbClr val="FF0000"/>
                 </a:solidFill>
@@ -6059,18 +6029,13 @@
           </a:p>
           <a:p>
             <a:r>
-              <a:rPr lang="ru-RU" altLang="ru-RU" sz="1200" b="1" dirty="0" smtClean="0">
+              <a:rPr lang="ru-RU" altLang="ru-RU" sz="1200" b="1" dirty="0">
                 <a:solidFill>
                   <a:srgbClr val="FF0000"/>
                 </a:solidFill>
               </a:rPr>
               <a:t>(по стержню).</a:t>
             </a:r>
-            <a:endParaRPr lang="ru-RU" altLang="ru-RU" sz="1200" b="1" dirty="0">
-              <a:solidFill>
-                <a:srgbClr val="FF0000"/>
-              </a:solidFill>
-            </a:endParaRPr>
           </a:p>
         </p:txBody>
       </p:sp>
@@ -6678,7 +6643,7 @@
             <a:graphicData uri="http://schemas.openxmlformats.org/presentationml/2006/ole">
               <mc:AlternateContent xmlns:mc="http://schemas.openxmlformats.org/markup-compatibility/2006">
                 <mc:Choice xmlns:v="urn:schemas-microsoft-com:vml" Requires="v">
-                  <p:oleObj spid="_x0000_s1249" name="Уравнение" r:id="rId7" imgW="203040" imgH="215640" progId="Equation.3">
+                  <p:oleObj spid="_x0000_s1262" name="Уравнение" r:id="rId7" imgW="203040" imgH="215640" progId="Equation.3">
                     <p:embed/>
                   </p:oleObj>
                 </mc:Choice>
@@ -6862,20 +6827,12 @@
               <a:t>Реакция гладкой поверхности направлена </a:t>
             </a:r>
             <a:r>
-              <a:rPr lang="ru-RU" sz="1200" b="1" dirty="0" smtClean="0">
-                <a:solidFill>
-                  <a:srgbClr val="FF0000"/>
-                </a:solidFill>
-              </a:rPr>
-              <a:t>по </a:t>
-            </a:r>
-            <a:r>
               <a:rPr lang="ru-RU" sz="1200" b="1" dirty="0">
                 <a:solidFill>
                   <a:srgbClr val="FF0000"/>
                 </a:solidFill>
               </a:rPr>
-              <a:t>общей нормали к поверхностям соприкасающихся тел</a:t>
+              <a:t>по общей нормали к поверхностям соприкасающихся тел</a:t>
             </a:r>
             <a:endParaRPr lang="ru-RU" altLang="ru-RU" sz="1200" b="1" dirty="0">
               <a:solidFill>
@@ -6974,7 +6931,7 @@
             <a:graphicData uri="http://schemas.openxmlformats.org/presentationml/2006/ole">
               <mc:AlternateContent xmlns:mc="http://schemas.openxmlformats.org/markup-compatibility/2006">
                 <mc:Choice xmlns:v="urn:schemas-microsoft-com:vml" Requires="v">
-                  <p:oleObj spid="_x0000_s1250" name="Уравнение" r:id="rId9" imgW="203040" imgH="228600" progId="Equation.3">
+                  <p:oleObj spid="_x0000_s1263" name="Уравнение" r:id="rId9" imgW="203040" imgH="228600" progId="Equation.3">
                     <p:embed/>
                   </p:oleObj>
                 </mc:Choice>
@@ -7136,7 +7093,7 @@
             <a:graphicData uri="http://schemas.openxmlformats.org/presentationml/2006/ole">
               <mc:AlternateContent xmlns:mc="http://schemas.openxmlformats.org/markup-compatibility/2006">
                 <mc:Choice xmlns:v="urn:schemas-microsoft-com:vml" Requires="v">
-                  <p:oleObj spid="_x0000_s1251" name="Уравнение" r:id="rId11" imgW="215640" imgH="215640" progId="Equation.3">
+                  <p:oleObj spid="_x0000_s1264" name="Уравнение" r:id="rId11" imgW="215640" imgH="215640" progId="Equation.3">
                     <p:embed/>
                   </p:oleObj>
                 </mc:Choice>
@@ -9005,7 +8962,7 @@
             <a:graphicData uri="http://schemas.openxmlformats.org/presentationml/2006/ole">
               <mc:AlternateContent xmlns:mc="http://schemas.openxmlformats.org/markup-compatibility/2006">
                 <mc:Choice xmlns:v="urn:schemas-microsoft-com:vml" Requires="v">
-                  <p:oleObj spid="_x0000_s1252" name="Формула" r:id="rId13" imgW="164880" imgH="190440" progId="Equation.3">
+                  <p:oleObj spid="_x0000_s1265" name="Формула" r:id="rId13" imgW="164880" imgH="190440" progId="Equation.3">
                     <p:embed/>
                   </p:oleObj>
                 </mc:Choice>
@@ -9279,7 +9236,7 @@
             <a:graphicData uri="http://schemas.openxmlformats.org/presentationml/2006/ole">
               <mc:AlternateContent xmlns:mc="http://schemas.openxmlformats.org/markup-compatibility/2006">
                 <mc:Choice xmlns:v="urn:schemas-microsoft-com:vml" Requires="v">
-                  <p:oleObj spid="_x0000_s1253" name="Уравнение" r:id="rId15" imgW="228600" imgH="177480" progId="Equation.3">
+                  <p:oleObj spid="_x0000_s1266" name="Уравнение" r:id="rId15" imgW="228600" imgH="177480" progId="Equation.3">
                     <p:embed/>
                   </p:oleObj>
                 </mc:Choice>
@@ -9372,7 +9329,7 @@
             <a:graphicData uri="http://schemas.openxmlformats.org/presentationml/2006/ole">
               <mc:AlternateContent xmlns:mc="http://schemas.openxmlformats.org/markup-compatibility/2006">
                 <mc:Choice xmlns:v="urn:schemas-microsoft-com:vml" Requires="v">
-                  <p:oleObj spid="_x0000_s1254" name="Уравнение" r:id="rId17" imgW="203040" imgH="177480" progId="Equation.3">
+                  <p:oleObj spid="_x0000_s1267" name="Уравнение" r:id="rId17" imgW="203040" imgH="177480" progId="Equation.3">
                     <p:embed/>
                   </p:oleObj>
                 </mc:Choice>
@@ -9694,7 +9651,7 @@
             <a:graphicData uri="http://schemas.openxmlformats.org/presentationml/2006/ole">
               <mc:AlternateContent xmlns:mc="http://schemas.openxmlformats.org/markup-compatibility/2006">
                 <mc:Choice xmlns:v="urn:schemas-microsoft-com:vml" Requires="v">
-                  <p:oleObj spid="_x0000_s1255" name="Формула" r:id="rId19" imgW="164880" imgH="190440" progId="Equation.3">
+                  <p:oleObj spid="_x0000_s1268" name="Формула" r:id="rId19" imgW="164880" imgH="190440" progId="Equation.3">
                     <p:embed/>
                   </p:oleObj>
                 </mc:Choice>
@@ -10523,7 +10480,7 @@
             <a:graphicData uri="http://schemas.openxmlformats.org/presentationml/2006/ole">
               <mc:AlternateContent xmlns:mc="http://schemas.openxmlformats.org/markup-compatibility/2006">
                 <mc:Choice xmlns:v="urn:schemas-microsoft-com:vml" Requires="v">
-                  <p:oleObj spid="_x0000_s1256" name="Формула" r:id="rId21" imgW="164880" imgH="190440" progId="Equation.3">
+                  <p:oleObj spid="_x0000_s1269" name="Формула" r:id="rId21" imgW="164880" imgH="190440" progId="Equation.3">
                     <p:embed/>
                   </p:oleObj>
                 </mc:Choice>
@@ -10684,21 +10641,8 @@
                   <a:srgbClr val="FF0000"/>
                 </a:solidFill>
               </a:rPr>
-              <a:t>плоскости </a:t>
-            </a:r>
-            <a:r>
-              <a:rPr lang="ru-RU" altLang="ru-RU" sz="1200" b="1" dirty="0" smtClean="0">
-                <a:solidFill>
-                  <a:srgbClr val="FF0000"/>
-                </a:solidFill>
-              </a:rPr>
-              <a:t>опоры.</a:t>
-            </a:r>
-            <a:endParaRPr lang="ru-RU" altLang="ru-RU" sz="1200" b="1" dirty="0">
-              <a:solidFill>
-                <a:srgbClr val="FF0000"/>
-              </a:solidFill>
-            </a:endParaRPr>
+              <a:t>плоскости опоры.</a:t>
+            </a:r>
           </a:p>
         </p:txBody>
       </p:sp>
@@ -11590,7 +11534,7 @@
             <a:graphicData uri="http://schemas.openxmlformats.org/presentationml/2006/ole">
               <mc:AlternateContent xmlns:mc="http://schemas.openxmlformats.org/markup-compatibility/2006">
                 <mc:Choice xmlns:v="urn:schemas-microsoft-com:vml" Requires="v">
-                  <p:oleObj spid="_x0000_s1257" name="Уравнение" r:id="rId23" imgW="228600" imgH="177480" progId="Equation.3">
+                  <p:oleObj spid="_x0000_s1270" name="Уравнение" r:id="rId23" imgW="228600" imgH="177480" progId="Equation.3">
                     <p:embed/>
                   </p:oleObj>
                 </mc:Choice>
@@ -11683,7 +11627,7 @@
             <a:graphicData uri="http://schemas.openxmlformats.org/presentationml/2006/ole">
               <mc:AlternateContent xmlns:mc="http://schemas.openxmlformats.org/markup-compatibility/2006">
                 <mc:Choice xmlns:v="urn:schemas-microsoft-com:vml" Requires="v">
-                  <p:oleObj spid="_x0000_s1258" name="Уравнение" r:id="rId25" imgW="203040" imgH="177480" progId="Equation.3">
+                  <p:oleObj spid="_x0000_s1271" name="Уравнение" r:id="rId25" imgW="203040" imgH="177480" progId="Equation.3">
                     <p:embed/>
                   </p:oleObj>
                 </mc:Choice>
@@ -11770,7 +11714,7 @@
             <a:graphicData uri="http://schemas.openxmlformats.org/presentationml/2006/ole">
               <mc:AlternateContent xmlns:mc="http://schemas.openxmlformats.org/markup-compatibility/2006">
                 <mc:Choice xmlns:v="urn:schemas-microsoft-com:vml" Requires="v">
-                  <p:oleObj spid="_x0000_s1259" name="Формула" r:id="rId27" imgW="253800" imgH="215640" progId="Equation.3">
+                  <p:oleObj spid="_x0000_s1272" name="Формула" r:id="rId27" imgW="253800" imgH="215640" progId="Equation.3">
                     <p:embed/>
                   </p:oleObj>
                 </mc:Choice>
@@ -11908,20 +11852,12 @@
               <a:t>В жесткой плоской заделке </a:t>
             </a:r>
             <a:r>
-              <a:rPr lang="ru-RU" sz="1200" b="1" dirty="0" smtClean="0">
-                <a:solidFill>
-                  <a:srgbClr val="FF0000"/>
-                </a:solidFill>
-              </a:rPr>
-              <a:t>возникают </a:t>
-            </a:r>
-            <a:r>
               <a:rPr lang="ru-RU" sz="1200" b="1" dirty="0">
                 <a:solidFill>
                   <a:srgbClr val="FF0000"/>
                 </a:solidFill>
               </a:rPr>
-              <a:t>две силы реакции, направленные по двум осям (</a:t>
+              <a:t>возникают две силы реакции, направленные по двум осям (</a:t>
             </a:r>
             <a:r>
               <a:rPr lang="en-US" sz="1200" b="1" dirty="0">
@@ -11953,18 +11889,10 @@
                   <a:srgbClr val="FF0000"/>
                 </a:solidFill>
               </a:rPr>
-              <a:t>), и </a:t>
-            </a:r>
-            <a:r>
-              <a:rPr lang="ru-RU" sz="1200" b="1" dirty="0" smtClean="0">
-                <a:solidFill>
-                  <a:srgbClr val="FF0000"/>
-                </a:solidFill>
-              </a:rPr>
-              <a:t>момент </a:t>
-            </a:r>
-            <a:r>
-              <a:rPr lang="en-US" sz="1200" b="1" dirty="0" smtClean="0">
+              <a:t>), и момент </a:t>
+            </a:r>
+            <a:r>
+              <a:rPr lang="en-US" sz="1200" b="1" dirty="0">
                 <a:solidFill>
                   <a:srgbClr val="FF0000"/>
                 </a:solidFill>
@@ -11972,7 +11900,7 @@
               <a:t>M</a:t>
             </a:r>
             <a:r>
-              <a:rPr lang="en-US" sz="1200" b="1" baseline="-25000" dirty="0" smtClean="0">
+              <a:rPr lang="en-US" sz="1200" b="1" baseline="-25000" dirty="0">
                 <a:solidFill>
                   <a:srgbClr val="FF0000"/>
                 </a:solidFill>
@@ -11984,18 +11912,13 @@
               <a:t>.</a:t>
             </a:r>
             <a:r>
-              <a:rPr lang="ru-RU" altLang="ru-RU" sz="1200" b="1" dirty="0" smtClean="0">
+              <a:rPr lang="ru-RU" altLang="ru-RU" sz="1200" b="1" dirty="0">
                 <a:solidFill>
                   <a:srgbClr val="FF0000"/>
                 </a:solidFill>
               </a:rPr>
               <a:t>.</a:t>
             </a:r>
-            <a:endParaRPr lang="ru-RU" altLang="ru-RU" sz="1200" b="1" dirty="0">
-              <a:solidFill>
-                <a:srgbClr val="FF0000"/>
-              </a:solidFill>
-            </a:endParaRPr>
           </a:p>
         </p:txBody>
       </p:sp>
@@ -14408,7 +14331,7 @@
           <a:graphicData uri="http://schemas.openxmlformats.org/presentationml/2006/ole">
             <mc:AlternateContent xmlns:mc="http://schemas.openxmlformats.org/markup-compatibility/2006">
               <mc:Choice xmlns:v="urn:schemas-microsoft-com:vml" Requires="v">
-                <p:oleObj spid="_x0000_s6156" name="Visio" r:id="rId3" imgW="3673983" imgH="1559052" progId="Visio.Drawing.11">
+                <p:oleObj spid="_x0000_s6157" name="Visio" r:id="rId3" imgW="3673983" imgH="1559052" progId="Visio.Drawing.11">
                   <p:embed/>
                 </p:oleObj>
               </mc:Choice>
@@ -14498,11 +14421,6 @@
               </a:rPr>
               <a:t>, с двух сторон имеющий шарниры. </a:t>
             </a:r>
-            <a:endParaRPr lang="ru-RU" sz="1600" b="1" dirty="0" smtClean="0">
-              <a:latin typeface="+mj-lt"/>
-              <a:ea typeface="Calibri" panose="020F0502020204030204" pitchFamily="34" charset="0"/>
-              <a:cs typeface="Times New Roman" panose="02020603050405020304" pitchFamily="18" charset="0"/>
-            </a:endParaRPr>
           </a:p>
           <a:p>
             <a:pPr lvl="0" algn="just">
@@ -14514,20 +14432,12 @@
               </a:spcAft>
             </a:pPr>
             <a:r>
-              <a:rPr lang="ru-RU" sz="1600" b="1" dirty="0" smtClean="0">
-                <a:latin typeface="+mj-lt"/>
-                <a:ea typeface="Calibri" panose="020F0502020204030204" pitchFamily="34" charset="0"/>
-                <a:cs typeface="Times New Roman" panose="02020603050405020304" pitchFamily="18" charset="0"/>
-              </a:rPr>
-              <a:t>В </a:t>
-            </a:r>
-            <a:r>
               <a:rPr lang="ru-RU" sz="1600" b="1" dirty="0">
                 <a:latin typeface="+mj-lt"/>
                 <a:ea typeface="Calibri" panose="020F0502020204030204" pitchFamily="34" charset="0"/>
                 <a:cs typeface="Times New Roman" panose="02020603050405020304" pitchFamily="18" charset="0"/>
               </a:rPr>
-              <a:t>этом случае реакции связей направлены вдоль стержня.</a:t>
+              <a:t>В этом случае реакции связей направлены вдоль стержня.</a:t>
             </a:r>
             <a:endParaRPr lang="ru-RU" sz="1400" b="1" dirty="0">
               <a:effectLst/>
@@ -14548,13 +14458,6 @@
   <p:clrMapOvr>
     <a:masterClrMapping/>
   </p:clrMapOvr>
-  <p:timing>
-    <p:tnLst>
-      <p:par>
-        <p:cTn id="1" dur="indefinite" restart="never" nodeType="tmRoot"/>
-      </p:par>
-    </p:tnLst>
-  </p:timing>
 </p:sld>
 </file>
 
@@ -14846,7 +14749,7 @@
           <a:graphicData uri="http://schemas.openxmlformats.org/presentationml/2006/ole">
             <mc:AlternateContent xmlns:mc="http://schemas.openxmlformats.org/markup-compatibility/2006">
               <mc:Choice xmlns:v="urn:schemas-microsoft-com:vml" Requires="v">
-                <p:oleObj spid="_x0000_s7180" name="Visio" r:id="rId3" imgW="6004941" imgH="2461260" progId="Visio.Drawing.11">
+                <p:oleObj spid="_x0000_s7181" name="Visio" r:id="rId3" imgW="6004941" imgH="2461260" progId="Visio.Drawing.11">
                   <p:embed/>
                 </p:oleObj>
               </mc:Choice>
@@ -14901,13 +14804,6 @@
   <p:clrMapOvr>
     <a:masterClrMapping/>
   </p:clrMapOvr>
-  <p:timing>
-    <p:tnLst>
-      <p:par>
-        <p:cTn id="1" dur="indefinite" restart="never" nodeType="tmRoot"/>
-      </p:par>
-    </p:tnLst>
-  </p:timing>
 </p:sld>
 </file>
 
@@ -15203,7 +15099,7 @@
           <a:graphicData uri="http://schemas.openxmlformats.org/presentationml/2006/ole">
             <mc:AlternateContent xmlns:mc="http://schemas.openxmlformats.org/markup-compatibility/2006">
               <mc:Choice xmlns:v="urn:schemas-microsoft-com:vml" Requires="v">
-                <p:oleObj spid="_x0000_s8203" name="Visio" r:id="rId9" imgW="6755892" imgH="2656713" progId="Visio.Drawing.11">
+                <p:oleObj spid="_x0000_s8204" name="Visio" r:id="rId9" imgW="6755892" imgH="2656713" progId="Visio.Drawing.11">
                   <p:embed/>
                 </p:oleObj>
               </mc:Choice>
